--- a/Đồ án cuối kỳ/OFA Unifying Architectures, Tasks, and Modalities Through a Simple Sequence-to-Sequence Learning Framework_Poster.pptx
+++ b/Đồ án cuối kỳ/OFA Unifying Architectures, Tasks, and Modalities Through a Simple Sequence-to-Sequence Learning Framework_Poster.pptx
@@ -326,6 +326,35 @@
     </p:ext>
   </p:extLst>
 </p:presentation>
+</file>
+
+<file path=ppt/changesInfos/changesInfo1.xml><?xml version="1.0" encoding="utf-8"?>
+<pc:chgInfo xmlns:a="http://schemas.openxmlformats.org/drawingml/2006/main" xmlns:r="http://schemas.openxmlformats.org/officeDocument/2006/relationships" xmlns:ac="http://schemas.microsoft.com/office/drawing/2013/main/command" xmlns:pc="http://schemas.microsoft.com/office/powerpoint/2013/main/command">
+  <pc:docChgLst>
+    <pc:chgData name="Nguyen Vu Duong" userId="7e847237b22dca43" providerId="LiveId" clId="{6E24B54D-5D81-49DD-ACA9-F1AA476C4BB1}"/>
+    <pc:docChg chg="modSld">
+      <pc:chgData name="Nguyen Vu Duong" userId="7e847237b22dca43" providerId="LiveId" clId="{6E24B54D-5D81-49DD-ACA9-F1AA476C4BB1}" dt="2023-12-26T07:33:22.351" v="0"/>
+      <pc:docMkLst>
+        <pc:docMk/>
+      </pc:docMkLst>
+      <pc:sldChg chg="modSp mod">
+        <pc:chgData name="Nguyen Vu Duong" userId="7e847237b22dca43" providerId="LiveId" clId="{6E24B54D-5D81-49DD-ACA9-F1AA476C4BB1}" dt="2023-12-26T07:33:22.351" v="0"/>
+        <pc:sldMkLst>
+          <pc:docMk/>
+          <pc:sldMk cId="0" sldId="256"/>
+        </pc:sldMkLst>
+        <pc:spChg chg="mod">
+          <ac:chgData name="Nguyen Vu Duong" userId="7e847237b22dca43" providerId="LiveId" clId="{6E24B54D-5D81-49DD-ACA9-F1AA476C4BB1}" dt="2023-12-26T07:33:22.351" v="0"/>
+          <ac:spMkLst>
+            <pc:docMk/>
+            <pc:sldMk cId="0" sldId="256"/>
+            <ac:spMk id="115" creationId="{00000000-0000-0000-0000-000000000000}"/>
+          </ac:spMkLst>
+        </pc:spChg>
+      </pc:sldChg>
+    </pc:docChg>
+  </pc:docChgLst>
+</pc:chgInfo>
 </file>
 
 <file path=ppt/notesMasters/notesMaster1.xml><?xml version="1.0" encoding="utf-8"?>
@@ -15595,7 +15624,19 @@
                 <a:cs typeface="Arial"/>
                 <a:sym typeface="Arial"/>
               </a:rPr>
-              <a:t> : </a:t>
+              <a:t> </a:t>
+            </a:r>
+            <a:r>
+              <a:rPr lang="en-US" sz="1200" b="1" i="0" u="none">
+                <a:solidFill>
+                  <a:schemeClr val="lt1"/>
+                </a:solidFill>
+                <a:latin typeface="Arial"/>
+                <a:ea typeface="Arial"/>
+                <a:cs typeface="Arial"/>
+                <a:sym typeface="Arial"/>
+              </a:rPr>
+              <a:t>: https://github.com/duongve13112002/CS519.O11</a:t>
             </a:r>
             <a:endParaRPr dirty="0"/>
           </a:p>

--- a/Đồ án cuối kỳ/OFA Unifying Architectures, Tasks, and Modalities Through a Simple Sequence-to-Sequence Learning Framework_Poster.pptx
+++ b/Đồ án cuối kỳ/OFA Unifying Architectures, Tasks, and Modalities Through a Simple Sequence-to-Sequence Learning Framework_Poster.pptx
@@ -333,16 +333,72 @@
   <pc:docChgLst>
     <pc:chgData name="Nguyen Vu Duong" userId="7e847237b22dca43" providerId="LiveId" clId="{6E24B54D-5D81-49DD-ACA9-F1AA476C4BB1}"/>
     <pc:docChg chg="modSld">
-      <pc:chgData name="Nguyen Vu Duong" userId="7e847237b22dca43" providerId="LiveId" clId="{6E24B54D-5D81-49DD-ACA9-F1AA476C4BB1}" dt="2023-12-26T07:33:22.351" v="0"/>
+      <pc:chgData name="Nguyen Vu Duong" userId="7e847237b22dca43" providerId="LiveId" clId="{6E24B54D-5D81-49DD-ACA9-F1AA476C4BB1}" dt="2024-01-05T02:39:11.682" v="51" actId="1076"/>
       <pc:docMkLst>
         <pc:docMk/>
       </pc:docMkLst>
-      <pc:sldChg chg="modSp mod">
-        <pc:chgData name="Nguyen Vu Duong" userId="7e847237b22dca43" providerId="LiveId" clId="{6E24B54D-5D81-49DD-ACA9-F1AA476C4BB1}" dt="2023-12-26T07:33:22.351" v="0"/>
+      <pc:sldChg chg="addSp modSp mod">
+        <pc:chgData name="Nguyen Vu Duong" userId="7e847237b22dca43" providerId="LiveId" clId="{6E24B54D-5D81-49DD-ACA9-F1AA476C4BB1}" dt="2024-01-05T02:39:11.682" v="51" actId="1076"/>
         <pc:sldMkLst>
           <pc:docMk/>
           <pc:sldMk cId="0" sldId="256"/>
         </pc:sldMkLst>
+        <pc:spChg chg="mod">
+          <ac:chgData name="Nguyen Vu Duong" userId="7e847237b22dca43" providerId="LiveId" clId="{6E24B54D-5D81-49DD-ACA9-F1AA476C4BB1}" dt="2024-01-05T02:38:30.071" v="42" actId="20577"/>
+          <ac:spMkLst>
+            <pc:docMk/>
+            <pc:sldMk cId="0" sldId="256"/>
+            <ac:spMk id="4" creationId="{7A46572F-CE65-0475-0914-1F271ED36924}"/>
+          </ac:spMkLst>
+        </pc:spChg>
+        <pc:spChg chg="mod">
+          <ac:chgData name="Nguyen Vu Duong" userId="7e847237b22dca43" providerId="LiveId" clId="{6E24B54D-5D81-49DD-ACA9-F1AA476C4BB1}" dt="2024-01-05T02:35:19.740" v="25" actId="20577"/>
+          <ac:spMkLst>
+            <pc:docMk/>
+            <pc:sldMk cId="0" sldId="256"/>
+            <ac:spMk id="7" creationId="{1A3A3DD5-6562-02B2-9AF7-43E9EA8A9421}"/>
+          </ac:spMkLst>
+        </pc:spChg>
+        <pc:spChg chg="add mod">
+          <ac:chgData name="Nguyen Vu Duong" userId="7e847237b22dca43" providerId="LiveId" clId="{6E24B54D-5D81-49DD-ACA9-F1AA476C4BB1}" dt="2024-01-05T02:38:20.377" v="38"/>
+          <ac:spMkLst>
+            <pc:docMk/>
+            <pc:sldMk cId="0" sldId="256"/>
+            <ac:spMk id="8" creationId="{0AEE3FC1-615C-7277-05C8-C17407C52AA1}"/>
+          </ac:spMkLst>
+        </pc:spChg>
+        <pc:spChg chg="mod">
+          <ac:chgData name="Nguyen Vu Duong" userId="7e847237b22dca43" providerId="LiveId" clId="{6E24B54D-5D81-49DD-ACA9-F1AA476C4BB1}" dt="2024-01-05T02:38:37.287" v="44" actId="20577"/>
+          <ac:spMkLst>
+            <pc:docMk/>
+            <pc:sldMk cId="0" sldId="256"/>
+            <ac:spMk id="11" creationId="{55874175-05F4-3DDB-F5BD-12BA84CE513B}"/>
+          </ac:spMkLst>
+        </pc:spChg>
+        <pc:spChg chg="mod">
+          <ac:chgData name="Nguyen Vu Duong" userId="7e847237b22dca43" providerId="LiveId" clId="{6E24B54D-5D81-49DD-ACA9-F1AA476C4BB1}" dt="2024-01-05T02:35:29.401" v="27" actId="20577"/>
+          <ac:spMkLst>
+            <pc:docMk/>
+            <pc:sldMk cId="0" sldId="256"/>
+            <ac:spMk id="13" creationId="{0A9682E8-50DD-FE82-AC39-DB1B0C982E59}"/>
+          </ac:spMkLst>
+        </pc:spChg>
+        <pc:spChg chg="mod">
+          <ac:chgData name="Nguyen Vu Duong" userId="7e847237b22dca43" providerId="LiveId" clId="{6E24B54D-5D81-49DD-ACA9-F1AA476C4BB1}" dt="2024-01-05T02:38:42.055" v="48" actId="20577"/>
+          <ac:spMkLst>
+            <pc:docMk/>
+            <pc:sldMk cId="0" sldId="256"/>
+            <ac:spMk id="14" creationId="{2BED8C3C-9E85-4E8E-B77D-AA23E0891621}"/>
+          </ac:spMkLst>
+        </pc:spChg>
+        <pc:spChg chg="mod">
+          <ac:chgData name="Nguyen Vu Duong" userId="7e847237b22dca43" providerId="LiveId" clId="{6E24B54D-5D81-49DD-ACA9-F1AA476C4BB1}" dt="2023-12-28T08:17:01.149" v="12" actId="20577"/>
+          <ac:spMkLst>
+            <pc:docMk/>
+            <pc:sldMk cId="0" sldId="256"/>
+            <ac:spMk id="111" creationId="{00000000-0000-0000-0000-000000000000}"/>
+          </ac:spMkLst>
+        </pc:spChg>
         <pc:spChg chg="mod">
           <ac:chgData name="Nguyen Vu Duong" userId="7e847237b22dca43" providerId="LiveId" clId="{6E24B54D-5D81-49DD-ACA9-F1AA476C4BB1}" dt="2023-12-26T07:33:22.351" v="0"/>
           <ac:spMkLst>
@@ -351,6 +407,30 @@
             <ac:spMk id="115" creationId="{00000000-0000-0000-0000-000000000000}"/>
           </ac:spMkLst>
         </pc:spChg>
+        <pc:spChg chg="mod">
+          <ac:chgData name="Nguyen Vu Duong" userId="7e847237b22dca43" providerId="LiveId" clId="{6E24B54D-5D81-49DD-ACA9-F1AA476C4BB1}" dt="2024-01-05T02:34:48.380" v="15" actId="20577"/>
+          <ac:spMkLst>
+            <pc:docMk/>
+            <pc:sldMk cId="0" sldId="256"/>
+            <ac:spMk id="328" creationId="{00000000-0000-0000-0000-000000000000}"/>
+          </ac:spMkLst>
+        </pc:spChg>
+        <pc:spChg chg="mod">
+          <ac:chgData name="Nguyen Vu Duong" userId="7e847237b22dca43" providerId="LiveId" clId="{6E24B54D-5D81-49DD-ACA9-F1AA476C4BB1}" dt="2024-01-05T02:38:26.616" v="40" actId="20577"/>
+          <ac:spMkLst>
+            <pc:docMk/>
+            <pc:sldMk cId="0" sldId="256"/>
+            <ac:spMk id="525" creationId="{00000000-0000-0000-0000-000000000000}"/>
+          </ac:spMkLst>
+        </pc:spChg>
+        <pc:picChg chg="mod">
+          <ac:chgData name="Nguyen Vu Duong" userId="7e847237b22dca43" providerId="LiveId" clId="{6E24B54D-5D81-49DD-ACA9-F1AA476C4BB1}" dt="2024-01-05T02:39:11.682" v="51" actId="1076"/>
+          <ac:picMkLst>
+            <pc:docMk/>
+            <pc:sldMk cId="0" sldId="256"/>
+            <ac:picMk id="6" creationId="{86161C47-D951-71FF-DC03-46D56442FD82}"/>
+          </ac:picMkLst>
+        </pc:picChg>
       </pc:sldChg>
     </pc:docChg>
   </pc:docChgLst>
@@ -15230,7 +15310,7 @@
               <a:buNone/>
             </a:pPr>
             <a:r>
-              <a:rPr lang="en-US" sz="1600" b="1" i="0" u="none" dirty="0">
+              <a:rPr lang="en-US" sz="1600" b="1" i="0" u="none">
                 <a:solidFill>
                   <a:schemeClr val="lt1"/>
                 </a:solidFill>
@@ -15239,10 +15319,30 @@
                 <a:cs typeface="Arial"/>
                 <a:sym typeface="Arial"/>
               </a:rPr>
-              <a:t>Nguyễn Vũ Dương</a:t>
+              <a:t>Nguy</a:t>
             </a:r>
             <a:r>
-              <a:rPr lang="en-US" sz="1600" b="1" i="0" u="none" baseline="30000" dirty="0">
+              <a:rPr lang="en-US" sz="1600" b="1">
+                <a:solidFill>
+                  <a:schemeClr val="lt1"/>
+                </a:solidFill>
+              </a:rPr>
+              <a:t>en</a:t>
+            </a:r>
+            <a:r>
+              <a:rPr lang="en-US" sz="1600" b="1" i="0" u="none">
+                <a:solidFill>
+                  <a:schemeClr val="lt1"/>
+                </a:solidFill>
+                <a:latin typeface="Arial"/>
+                <a:ea typeface="Arial"/>
+                <a:cs typeface="Arial"/>
+                <a:sym typeface="Arial"/>
+              </a:rPr>
+              <a:t> Vu Duong</a:t>
+            </a:r>
+            <a:r>
+              <a:rPr lang="en-US" sz="1600" b="1" i="0" u="none" baseline="30000">
                 <a:solidFill>
                   <a:schemeClr val="lt1"/>
                 </a:solidFill>
@@ -15692,31 +15792,7 @@
                 <a:cs typeface="Tahoma"/>
                 <a:sym typeface="Tahoma"/>
               </a:rPr>
-              <a:t>To enable flexible processing of various modalities without requiring dedicated output structures for each task, </a:t>
-            </a:r>
-            <a:r>
-              <a:rPr lang="en-US" sz="1050" dirty="0">
-                <a:solidFill>
-                  <a:schemeClr val="dk1"/>
-                </a:solidFill>
-                <a:latin typeface="Tahoma"/>
-                <a:ea typeface="Tahoma"/>
-                <a:cs typeface="Tahoma"/>
-                <a:sym typeface="Tahoma"/>
-              </a:rPr>
-              <a:t>I</a:t>
-            </a:r>
-            <a:r>
-              <a:rPr lang="en-US" sz="1050" b="0" i="0" u="none" dirty="0">
-                <a:solidFill>
-                  <a:schemeClr val="dk1"/>
-                </a:solidFill>
-                <a:latin typeface="Tahoma"/>
-                <a:ea typeface="Tahoma"/>
-                <a:cs typeface="Tahoma"/>
-                <a:sym typeface="Tahoma"/>
-              </a:rPr>
-              <a:t> leverage a unified vocabulary that encompasses all linguistic and visual tokens, including </a:t>
+              <a:t>To enable flexible processing of various modalities without requiring dedicated output structures for each task, we leverage a unified vocabulary that encompasses all linguistic and visual tokens, including </a:t>
             </a:r>
             <a:r>
               <a:rPr lang="en-US" sz="1050" b="0" i="0" u="none" dirty="0" err="1">
@@ -16237,7 +16313,7 @@
                 <a:cs typeface="Tahoma"/>
                 <a:sym typeface="Tahoma"/>
               </a:rPr>
-              <a:t>Figure 1</a:t>
+              <a:t>Figure 2</a:t>
             </a:r>
             <a:r>
               <a:rPr lang="en-US" sz="800" b="0" i="0" u="none" dirty="0">
@@ -16307,8 +16383,8 @@
         </p:blipFill>
         <p:spPr>
           <a:xfrm>
-            <a:off x="1063752" y="5611436"/>
-            <a:ext cx="8759863" cy="2766545"/>
+            <a:off x="1159547" y="5644004"/>
+            <a:ext cx="8369541" cy="2501059"/>
           </a:xfrm>
           <a:prstGeom prst="rect">
             <a:avLst/>
@@ -16373,7 +16449,7 @@
                 <a:cs typeface="Tahoma"/>
                 <a:sym typeface="Tahoma"/>
               </a:rPr>
-              <a:t>Figure 2</a:t>
+              <a:t>Figure 3</a:t>
             </a:r>
             <a:r>
               <a:rPr lang="en-US" sz="800" b="0" i="0" u="none" dirty="0">
@@ -16577,7 +16653,7 @@
                 <a:cs typeface="Tahoma"/>
                 <a:sym typeface="Tahoma"/>
               </a:rPr>
-              <a:t>Unifying tasks across modalities, I leverage a common sequence-to-sequence generation framework. To equip the model with comprehensive capabilities, we employ multi-task pre-training on multimodal and </a:t>
+              <a:t>Unifying tasks across modalities, we leverage a common sequence-to-sequence generation framework. To equip the model with comprehensive capabilities, we employ multi-task pre-training on multimodal and </a:t>
             </a:r>
             <a:r>
               <a:rPr lang="en-US" sz="1050" b="0" i="0" u="none" dirty="0" err="1">
@@ -16630,7 +16706,7 @@
                 <a:cs typeface="Tahoma"/>
                 <a:sym typeface="Tahoma"/>
               </a:rPr>
-              <a:t>- I utilize handcrafted instructions to discriminate these tasks, further enabling model to perform zero-shot inference on new tasks.</a:t>
+              <a:t>- We utilize handcrafted instructions to discriminate these tasks, further enabling model to perform zero-shot inference on new tasks.</a:t>
             </a:r>
           </a:p>
           <a:p>
@@ -16749,19 +16825,7 @@
                 <a:cs typeface="Tahoma"/>
                 <a:sym typeface="Tahoma"/>
               </a:rPr>
-              <a:t>Figure </a:t>
-            </a:r>
-            <a:r>
-              <a:rPr lang="en-US" sz="800" b="1" i="1" dirty="0">
-                <a:solidFill>
-                  <a:srgbClr val="0B4993"/>
-                </a:solidFill>
-                <a:latin typeface="Tahoma"/>
-                <a:ea typeface="Tahoma"/>
-                <a:cs typeface="Tahoma"/>
-                <a:sym typeface="Tahoma"/>
-              </a:rPr>
-              <a:t>3</a:t>
+              <a:t>Figure 4</a:t>
             </a:r>
             <a:r>
               <a:rPr lang="en-US" sz="800" b="0" i="0" u="none" dirty="0">
@@ -16922,7 +16986,7 @@
                 <a:cs typeface="Tahoma"/>
                 <a:sym typeface="Tahoma"/>
               </a:rPr>
-              <a:t>esearch led me to develop a new task known as "grounded question answering," which requires the model to answer questions about specific regions of an image. This task proved to be an excellent test of the model's capabilities, and our results demonstrate its ability to achieve satisfactory performance.</a:t>
+              <a:t>esearch led us to develop a new task known as "grounded question answering," which requires the model to answer questions about specific regions of an image. This task proved to be an excellent test of the model's capabilities, and our results demonstrate its ability to achieve satisfactory performance.</a:t>
             </a:r>
           </a:p>
         </p:txBody>
@@ -17032,7 +17096,19 @@
                 <a:cs typeface="Tahoma"/>
                 <a:sym typeface="Tahoma"/>
               </a:rPr>
-              <a:t>Figure 4</a:t>
+              <a:t>Figure </a:t>
+            </a:r>
+            <a:r>
+              <a:rPr lang="en-US" sz="800" b="1" i="1" dirty="0">
+                <a:solidFill>
+                  <a:srgbClr val="0B4993"/>
+                </a:solidFill>
+                <a:latin typeface="Tahoma"/>
+                <a:ea typeface="Tahoma"/>
+                <a:cs typeface="Tahoma"/>
+                <a:sym typeface="Tahoma"/>
+              </a:rPr>
+              <a:t>5</a:t>
             </a:r>
             <a:r>
               <a:rPr lang="en-US" sz="800" b="0" i="0" u="none" dirty="0">
@@ -17332,6 +17408,82 @@
               <a:cs typeface="Tahoma"/>
               <a:sym typeface="Tahoma"/>
             </a:endParaRPr>
+          </a:p>
+        </p:txBody>
+      </p:sp>
+      <p:sp>
+        <p:nvSpPr>
+          <p:cNvPr id="8" name="Google Shape;525;p13">
+            <a:extLst>
+              <a:ext uri="{FF2B5EF4-FFF2-40B4-BE49-F238E27FC236}">
+                <a16:creationId xmlns:a16="http://schemas.microsoft.com/office/drawing/2014/main" id="{0AEE3FC1-615C-7277-05C8-C17407C52AA1}"/>
+              </a:ext>
+            </a:extLst>
+          </p:cNvPr>
+          <p:cNvSpPr txBox="1"/>
+          <p:nvPr/>
+        </p:nvSpPr>
+        <p:spPr>
+          <a:xfrm>
+            <a:off x="3876828" y="8163551"/>
+            <a:ext cx="2909887" cy="214312"/>
+          </a:xfrm>
+          <a:prstGeom prst="rect">
+            <a:avLst/>
+          </a:prstGeom>
+          <a:noFill/>
+          <a:ln>
+            <a:noFill/>
+          </a:ln>
+        </p:spPr>
+        <p:txBody>
+          <a:bodyPr spcFirstLastPara="1" wrap="square" lIns="91425" tIns="45700" rIns="91425" bIns="45700" anchor="t" anchorCtr="0">
+            <a:spAutoFit/>
+          </a:bodyPr>
+          <a:lstStyle/>
+          <a:p>
+            <a:pPr marL="0" marR="0" lvl="0" indent="0" algn="ctr" rtl="0">
+              <a:lnSpc>
+                <a:spcPct val="100000"/>
+              </a:lnSpc>
+              <a:spcBef>
+                <a:spcPts val="0"/>
+              </a:spcBef>
+              <a:spcAft>
+                <a:spcPts val="0"/>
+              </a:spcAft>
+              <a:buClr>
+                <a:srgbClr val="0B4993"/>
+              </a:buClr>
+              <a:buSzPts val="800"/>
+              <a:buFont typeface="Tahoma"/>
+              <a:buNone/>
+            </a:pPr>
+            <a:r>
+              <a:rPr lang="en-US" sz="800" b="1" i="1" u="none" dirty="0">
+                <a:solidFill>
+                  <a:srgbClr val="0B4993"/>
+                </a:solidFill>
+                <a:latin typeface="Tahoma"/>
+                <a:ea typeface="Tahoma"/>
+                <a:cs typeface="Tahoma"/>
+                <a:sym typeface="Tahoma"/>
+              </a:rPr>
+              <a:t>Figure 1</a:t>
+            </a:r>
+            <a:r>
+              <a:rPr lang="en-US" sz="800" b="0" i="0" u="none" dirty="0">
+                <a:solidFill>
+                  <a:srgbClr val="0B4993"/>
+                </a:solidFill>
+                <a:latin typeface="Tahoma"/>
+                <a:ea typeface="Tahoma"/>
+                <a:cs typeface="Tahoma"/>
+                <a:sym typeface="Tahoma"/>
+              </a:rPr>
+              <a:t>. Examples of various tasks supported by OFA.</a:t>
+            </a:r>
+            <a:endParaRPr dirty="0"/>
           </a:p>
         </p:txBody>
       </p:sp>
